--- a/软外4-刘宁宁201540704138-产品说明.pptx
+++ b/软外4-刘宁宁201540704138-产品说明.pptx
@@ -8,20 +8,21 @@
     <p:sldId id="256" r:id="rId3"/>
     <p:sldId id="257" r:id="rId4"/>
     <p:sldId id="258" r:id="rId5"/>
-    <p:sldId id="263" r:id="rId6"/>
-    <p:sldId id="264" r:id="rId7"/>
-    <p:sldId id="259" r:id="rId8"/>
-    <p:sldId id="260" r:id="rId9"/>
-    <p:sldId id="261" r:id="rId10"/>
-    <p:sldId id="262" r:id="rId11"/>
-    <p:sldId id="265" r:id="rId12"/>
-    <p:sldId id="266" r:id="rId13"/>
-    <p:sldId id="267" r:id="rId14"/>
-    <p:sldId id="268" r:id="rId15"/>
-    <p:sldId id="269" r:id="rId16"/>
-    <p:sldId id="270" r:id="rId17"/>
-    <p:sldId id="271" r:id="rId18"/>
-    <p:sldId id="272" r:id="rId19"/>
+    <p:sldId id="262" r:id="rId6"/>
+    <p:sldId id="259" r:id="rId7"/>
+    <p:sldId id="260" r:id="rId8"/>
+    <p:sldId id="261" r:id="rId9"/>
+    <p:sldId id="263" r:id="rId10"/>
+    <p:sldId id="265" r:id="rId11"/>
+    <p:sldId id="266" r:id="rId12"/>
+    <p:sldId id="267" r:id="rId13"/>
+    <p:sldId id="277" r:id="rId14"/>
+    <p:sldId id="264" r:id="rId15"/>
+    <p:sldId id="268" r:id="rId16"/>
+    <p:sldId id="269" r:id="rId17"/>
+    <p:sldId id="270" r:id="rId18"/>
+    <p:sldId id="271" r:id="rId19"/>
+    <p:sldId id="272" r:id="rId20"/>
   </p:sldIdLst>
   <p:sldSz cx="12192000" cy="6858000"/>
   <p:notesSz cx="6858000" cy="9144000"/>
@@ -7748,167 +7749,6 @@
             <p:ph type="title"/>
           </p:nvPr>
         </p:nvSpPr>
-        <p:spPr/>
-        <p:txBody>
-          <a:bodyPr/>
-          <a:lstStyle/>
-          <a:p>
-            <a:r>
-              <a:rPr lang="zh-CN" altLang="en-US" dirty="0"/>
-              <a:t>功能介绍</a:t>
-            </a:r>
-            <a:endParaRPr lang="zh-CN" altLang="en-US" dirty="0"/>
-          </a:p>
-        </p:txBody>
-      </p:sp>
-      <p:sp>
-        <p:nvSpPr>
-          <p:cNvPr id="3" name="内容占位符 2"/>
-          <p:cNvSpPr>
-            <a:spLocks noGrp="1"/>
-          </p:cNvSpPr>
-          <p:nvPr>
-            <p:ph idx="1"/>
-          </p:nvPr>
-        </p:nvSpPr>
-        <p:spPr/>
-        <p:txBody>
-          <a:bodyPr/>
-          <a:lstStyle/>
-          <a:p>
-            <a:r>
-              <a:rPr lang="zh-CN" altLang="en-US" dirty="0"/>
-              <a:t>   角色管理</a:t>
-            </a:r>
-            <a:endParaRPr lang="en-US" altLang="zh-CN" dirty="0"/>
-          </a:p>
-          <a:p>
-            <a:pPr marL="0" indent="0">
-              <a:buNone/>
-            </a:pPr>
-            <a:endParaRPr lang="en-US" altLang="zh-CN" dirty="0"/>
-          </a:p>
-          <a:p>
-            <a:pPr marL="0" indent="0">
-              <a:buNone/>
-            </a:pPr>
-            <a:r>
-              <a:rPr lang="zh-CN" altLang="en-US" dirty="0"/>
-              <a:t>        该模块对系统角色的管理。该系统的角色 </a:t>
-            </a:r>
-            <a:endParaRPr lang="zh-CN" altLang="en-US" dirty="0"/>
-          </a:p>
-          <a:p>
-            <a:pPr marL="0" indent="0">
-              <a:buNone/>
-            </a:pPr>
-            <a:r>
-              <a:rPr lang="zh-CN" altLang="en-US" dirty="0"/>
-              <a:t>包括管理员，店长，销售员，销售经理，售后</a:t>
-            </a:r>
-            <a:endParaRPr lang="zh-CN" altLang="en-US" dirty="0"/>
-          </a:p>
-          <a:p>
-            <a:pPr marL="0" indent="0">
-              <a:buNone/>
-            </a:pPr>
-            <a:r>
-              <a:rPr lang="zh-CN" altLang="en-US" dirty="0"/>
-              <a:t>经理和售后员六种角色，添加角色必须选择相</a:t>
-            </a:r>
-            <a:endParaRPr lang="zh-CN" altLang="en-US" dirty="0"/>
-          </a:p>
-          <a:p>
-            <a:pPr marL="0" indent="0">
-              <a:buNone/>
-            </a:pPr>
-            <a:r>
-              <a:rPr lang="zh-CN" altLang="en-US" dirty="0"/>
-              <a:t>应部门才可以添加，比如销售员只能添加在销</a:t>
-            </a:r>
-            <a:endParaRPr lang="zh-CN" altLang="en-US" dirty="0"/>
-          </a:p>
-          <a:p>
-            <a:pPr marL="0" indent="0">
-              <a:buNone/>
-            </a:pPr>
-            <a:r>
-              <a:rPr lang="zh-CN" altLang="en-US" dirty="0"/>
-              <a:t>售部门中。修改部门只能修改角色名称和角色</a:t>
-            </a:r>
-            <a:endParaRPr lang="zh-CN" altLang="en-US" dirty="0"/>
-          </a:p>
-          <a:p>
-            <a:pPr marL="0" indent="0">
-              <a:buNone/>
-            </a:pPr>
-            <a:r>
-              <a:rPr lang="zh-CN" altLang="en-US" dirty="0"/>
-              <a:t>描述。</a:t>
-            </a:r>
-            <a:endParaRPr lang="en-US" altLang="zh-CN" dirty="0"/>
-          </a:p>
-        </p:txBody>
-      </p:sp>
-      <p:pic>
-        <p:nvPicPr>
-          <p:cNvPr id="4" name="图片 3" descr="角色"/>
-          <p:cNvPicPr>
-            <a:picLocks noChangeAspect="1"/>
-          </p:cNvPicPr>
-          <p:nvPr/>
-        </p:nvPicPr>
-        <p:blipFill>
-          <a:blip r:embed="rId1"/>
-          <a:stretch>
-            <a:fillRect/>
-          </a:stretch>
-        </p:blipFill>
-        <p:spPr>
-          <a:xfrm>
-            <a:off x="7289800" y="2882900"/>
-            <a:ext cx="4845685" cy="2279650"/>
-          </a:xfrm>
-          <a:prstGeom prst="rect">
-            <a:avLst/>
-          </a:prstGeom>
-        </p:spPr>
-      </p:pic>
-    </p:spTree>
-  </p:cSld>
-  <p:clrMapOvr>
-    <a:masterClrMapping/>
-  </p:clrMapOvr>
-</p:sld>
-</file>
-
-<file path=ppt/slides/slide11.xml><?xml version="1.0" encoding="utf-8"?>
-<p:sld xmlns:a="http://schemas.openxmlformats.org/drawingml/2006/main" xmlns:r="http://schemas.openxmlformats.org/officeDocument/2006/relationships" xmlns:p="http://schemas.openxmlformats.org/presentationml/2006/main">
-  <p:cSld>
-    <p:spTree>
-      <p:nvGrpSpPr>
-        <p:cNvPr id="1" name=""/>
-        <p:cNvGrpSpPr/>
-        <p:nvPr/>
-      </p:nvGrpSpPr>
-      <p:grpSpPr>
-        <a:xfrm>
-          <a:off x="0" y="0"/>
-          <a:ext cx="0" cy="0"/>
-          <a:chOff x="0" y="0"/>
-          <a:chExt cx="0" cy="0"/>
-        </a:xfrm>
-      </p:grpSpPr>
-      <p:sp>
-        <p:nvSpPr>
-          <p:cNvPr id="2" name="标题 1"/>
-          <p:cNvSpPr>
-            <a:spLocks noGrp="1"/>
-          </p:cNvSpPr>
-          <p:nvPr>
-            <p:ph type="title"/>
-          </p:nvPr>
-        </p:nvSpPr>
         <p:spPr>
           <a:xfrm>
             <a:off x="2589115" y="624110"/>
@@ -8082,7 +7922,7 @@
 </p:sld>
 </file>
 
-<file path=ppt/slides/slide12.xml><?xml version="1.0" encoding="utf-8"?>
+<file path=ppt/slides/slide11.xml><?xml version="1.0" encoding="utf-8"?>
 <p:sld xmlns:a="http://schemas.openxmlformats.org/drawingml/2006/main" xmlns:r="http://schemas.openxmlformats.org/officeDocument/2006/relationships" xmlns:p="http://schemas.openxmlformats.org/presentationml/2006/main">
   <p:cSld>
     <p:spTree>
@@ -8147,6 +7987,14 @@
             <a:pPr marL="0" indent="0">
               <a:buNone/>
             </a:pPr>
+            <a:r>
+              <a:rPr lang="en-US" altLang="zh-CN" dirty="0"/>
+              <a:t>	  </a:t>
+            </a:r>
+            <a:r>
+              <a:rPr lang="zh-CN" altLang="en-US" dirty="0"/>
+              <a:t>普通客户</a:t>
+            </a:r>
             <a:endParaRPr lang="en-US" altLang="zh-CN" dirty="0"/>
           </a:p>
           <a:p>
@@ -8219,7 +8067,292 @@
 </p:sld>
 </file>
 
+<file path=ppt/slides/slide12.xml><?xml version="1.0" encoding="utf-8"?>
+<p:sld xmlns:a="http://schemas.openxmlformats.org/drawingml/2006/main" xmlns:r="http://schemas.openxmlformats.org/officeDocument/2006/relationships" xmlns:p="http://schemas.openxmlformats.org/presentationml/2006/main">
+  <p:cSld>
+    <p:spTree>
+      <p:nvGrpSpPr>
+        <p:cNvPr id="1" name=""/>
+        <p:cNvGrpSpPr/>
+        <p:nvPr/>
+      </p:nvGrpSpPr>
+      <p:grpSpPr/>
+      <p:sp>
+        <p:nvSpPr>
+          <p:cNvPr id="2" name="标题 1"/>
+          <p:cNvSpPr>
+            <a:spLocks noGrp="1"/>
+          </p:cNvSpPr>
+          <p:nvPr>
+            <p:ph type="title"/>
+          </p:nvPr>
+        </p:nvSpPr>
+        <p:spPr/>
+        <p:txBody>
+          <a:bodyPr/>
+          <a:p>
+            <a:r>
+              <a:rPr lang="zh-CN" altLang="en-US"/>
+              <a:t>功能介绍</a:t>
+            </a:r>
+            <a:endParaRPr lang="zh-CN" altLang="en-US"/>
+          </a:p>
+        </p:txBody>
+      </p:sp>
+      <p:sp>
+        <p:nvSpPr>
+          <p:cNvPr id="3" name="内容占位符 2"/>
+          <p:cNvSpPr>
+            <a:spLocks noGrp="1"/>
+          </p:cNvSpPr>
+          <p:nvPr>
+            <p:ph idx="1"/>
+          </p:nvPr>
+        </p:nvSpPr>
+        <p:spPr/>
+        <p:txBody>
+          <a:bodyPr/>
+          <a:p>
+            <a:r>
+              <a:rPr lang="zh-CN" altLang="en-US"/>
+              <a:t>客户管理</a:t>
+            </a:r>
+            <a:endParaRPr lang="zh-CN" altLang="en-US"/>
+          </a:p>
+          <a:p>
+            <a:pPr marL="0" indent="0">
+              <a:buNone/>
+            </a:pPr>
+            <a:r>
+              <a:rPr lang="zh-CN" altLang="en-US"/>
+              <a:t>      供应商管理</a:t>
+            </a:r>
+            <a:endParaRPr lang="zh-CN" altLang="en-US"/>
+          </a:p>
+          <a:p>
+            <a:pPr marL="0" indent="0">
+              <a:buNone/>
+            </a:pPr>
+            <a:r>
+              <a:rPr lang="zh-CN" altLang="en-US"/>
+              <a:t>      该模块负责对供应商信息进行维护，以及对其进行基本的操作。对供应商信息的维护在于区别产品的来源。</a:t>
+            </a:r>
+            <a:endParaRPr lang="zh-CN" altLang="en-US"/>
+          </a:p>
+          <a:p>
+            <a:pPr marL="0" indent="0">
+              <a:buNone/>
+            </a:pPr>
+            <a:endParaRPr lang="zh-CN" altLang="en-US"/>
+          </a:p>
+        </p:txBody>
+      </p:sp>
+    </p:spTree>
+  </p:cSld>
+  <p:clrMapOvr>
+    <a:masterClrMapping/>
+  </p:clrMapOvr>
+</p:sld>
+</file>
+
 <file path=ppt/slides/slide13.xml><?xml version="1.0" encoding="utf-8"?>
+<p:sld xmlns:a="http://schemas.openxmlformats.org/drawingml/2006/main" xmlns:r="http://schemas.openxmlformats.org/officeDocument/2006/relationships" xmlns:p="http://schemas.openxmlformats.org/presentationml/2006/main">
+  <p:cSld>
+    <p:spTree>
+      <p:nvGrpSpPr>
+        <p:cNvPr id="1" name=""/>
+        <p:cNvGrpSpPr/>
+        <p:nvPr/>
+      </p:nvGrpSpPr>
+      <p:grpSpPr>
+        <a:xfrm>
+          <a:off x="0" y="0"/>
+          <a:ext cx="0" cy="0"/>
+          <a:chOff x="0" y="0"/>
+          <a:chExt cx="0" cy="0"/>
+        </a:xfrm>
+      </p:grpSpPr>
+      <p:sp>
+        <p:nvSpPr>
+          <p:cNvPr id="2" name="标题 1"/>
+          <p:cNvSpPr>
+            <a:spLocks noGrp="1"/>
+          </p:cNvSpPr>
+          <p:nvPr>
+            <p:ph type="title"/>
+          </p:nvPr>
+        </p:nvSpPr>
+        <p:spPr/>
+        <p:txBody>
+          <a:bodyPr/>
+          <a:lstStyle/>
+          <a:p>
+            <a:r>
+              <a:rPr lang="zh-CN" altLang="en-US" dirty="0"/>
+              <a:t>功能介绍</a:t>
+            </a:r>
+            <a:endParaRPr lang="zh-CN" altLang="en-US" dirty="0"/>
+          </a:p>
+        </p:txBody>
+      </p:sp>
+      <p:sp>
+        <p:nvSpPr>
+          <p:cNvPr id="3" name="内容占位符 2"/>
+          <p:cNvSpPr>
+            <a:spLocks noGrp="1"/>
+          </p:cNvSpPr>
+          <p:nvPr>
+            <p:ph idx="1"/>
+          </p:nvPr>
+        </p:nvSpPr>
+        <p:spPr/>
+        <p:txBody>
+          <a:bodyPr/>
+          <a:lstStyle/>
+          <a:p>
+            <a:r>
+              <a:rPr lang="zh-CN" altLang="en-US" dirty="0"/>
+              <a:t>    系统主页面</a:t>
+            </a:r>
+            <a:endParaRPr lang="en-US" altLang="zh-CN" dirty="0"/>
+          </a:p>
+          <a:p>
+            <a:pPr marL="0" indent="0">
+              <a:buNone/>
+            </a:pPr>
+            <a:r>
+              <a:rPr lang="en-US" altLang="zh-CN" dirty="0"/>
+              <a:t>   </a:t>
+            </a:r>
+            <a:r>
+              <a:rPr lang="zh-CN" altLang="en-US" dirty="0"/>
+              <a:t>      该模块对产品信息的管理。在添加产</a:t>
+            </a:r>
+            <a:endParaRPr lang="zh-CN" altLang="en-US" dirty="0"/>
+          </a:p>
+          <a:p>
+            <a:pPr marL="0" indent="0">
+              <a:buNone/>
+            </a:pPr>
+            <a:r>
+              <a:rPr lang="zh-CN" altLang="en-US" dirty="0"/>
+              <a:t>品的时候系统会自动生成唯一的产品编号，</a:t>
+            </a:r>
+            <a:endParaRPr lang="zh-CN" altLang="en-US" dirty="0"/>
+          </a:p>
+          <a:p>
+            <a:pPr marL="0" indent="0">
+              <a:buNone/>
+            </a:pPr>
+            <a:r>
+              <a:rPr lang="zh-CN" altLang="en-US" dirty="0"/>
+              <a:t>要注意添加手机是属于哪一类手机如华为</a:t>
+            </a:r>
+            <a:endParaRPr lang="zh-CN" altLang="en-US" dirty="0"/>
+          </a:p>
+          <a:p>
+            <a:pPr marL="0" indent="0">
+              <a:buNone/>
+            </a:pPr>
+            <a:r>
+              <a:rPr lang="en-US" altLang="zh-CN" dirty="0"/>
+              <a:t>vivo</a:t>
+            </a:r>
+            <a:r>
+              <a:rPr lang="zh-CN" altLang="en-US" dirty="0"/>
+              <a:t>等。该模块会显示店内每款手机的数</a:t>
+            </a:r>
+            <a:endParaRPr lang="zh-CN" altLang="en-US" dirty="0"/>
+          </a:p>
+          <a:p>
+            <a:pPr marL="0" indent="0">
+              <a:buNone/>
+            </a:pPr>
+            <a:r>
+              <a:rPr lang="zh-CN" altLang="en-US" dirty="0"/>
+              <a:t>量和成本费以及售价。删除产品时会提示</a:t>
+            </a:r>
+            <a:endParaRPr lang="zh-CN" altLang="en-US" dirty="0"/>
+          </a:p>
+          <a:p>
+            <a:pPr marL="0" indent="0">
+              <a:buNone/>
+            </a:pPr>
+            <a:r>
+              <a:rPr lang="zh-CN" altLang="en-US" dirty="0"/>
+              <a:t>是否确定删除，因为一旦删除，该产品下</a:t>
+            </a:r>
+            <a:endParaRPr lang="zh-CN" altLang="en-US" dirty="0"/>
+          </a:p>
+          <a:p>
+            <a:pPr marL="0" indent="0">
+              <a:buNone/>
+            </a:pPr>
+            <a:r>
+              <a:rPr lang="zh-CN" altLang="en-US" dirty="0"/>
+              <a:t>的所有信息如订单详情等将都会删除。</a:t>
+            </a:r>
+            <a:endParaRPr lang="zh-CN" altLang="en-US" dirty="0"/>
+          </a:p>
+        </p:txBody>
+      </p:sp>
+      <p:pic>
+        <p:nvPicPr>
+          <p:cNvPr id="4" name="图片 3" descr="index1"/>
+          <p:cNvPicPr>
+            <a:picLocks noChangeAspect="1"/>
+          </p:cNvPicPr>
+          <p:nvPr/>
+        </p:nvPicPr>
+        <p:blipFill>
+          <a:blip r:embed="rId1"/>
+          <a:stretch>
+            <a:fillRect/>
+          </a:stretch>
+        </p:blipFill>
+        <p:spPr>
+          <a:xfrm>
+            <a:off x="6972300" y="2392680"/>
+            <a:ext cx="4637405" cy="2139950"/>
+          </a:xfrm>
+          <a:prstGeom prst="rect">
+            <a:avLst/>
+          </a:prstGeom>
+        </p:spPr>
+      </p:pic>
+      <p:pic>
+        <p:nvPicPr>
+          <p:cNvPr id="5" name="图片 4" descr="index2"/>
+          <p:cNvPicPr>
+            <a:picLocks noChangeAspect="1"/>
+          </p:cNvPicPr>
+          <p:nvPr/>
+        </p:nvPicPr>
+        <p:blipFill>
+          <a:blip r:embed="rId2"/>
+          <a:stretch>
+            <a:fillRect/>
+          </a:stretch>
+        </p:blipFill>
+        <p:spPr>
+          <a:xfrm>
+            <a:off x="6941820" y="4532630"/>
+            <a:ext cx="4667885" cy="1998345"/>
+          </a:xfrm>
+          <a:prstGeom prst="rect">
+            <a:avLst/>
+          </a:prstGeom>
+        </p:spPr>
+      </p:pic>
+    </p:spTree>
+  </p:cSld>
+  <p:clrMapOvr>
+    <a:masterClrMapping/>
+  </p:clrMapOvr>
+</p:sld>
+</file>
+
+<file path=ppt/slides/slide14.xml><?xml version="1.0" encoding="utf-8"?>
 <p:sld xmlns:a="http://schemas.openxmlformats.org/drawingml/2006/main" xmlns:r="http://schemas.openxmlformats.org/officeDocument/2006/relationships" xmlns:p="http://schemas.openxmlformats.org/presentationml/2006/main">
   <p:cSld>
     <p:spTree>
@@ -8396,7 +8529,7 @@
 </p:sld>
 </file>
 
-<file path=ppt/slides/slide14.xml><?xml version="1.0" encoding="utf-8"?>
+<file path=ppt/slides/slide15.xml><?xml version="1.0" encoding="utf-8"?>
 <p:sld xmlns:a="http://schemas.openxmlformats.org/drawingml/2006/main" xmlns:r="http://schemas.openxmlformats.org/officeDocument/2006/relationships" xmlns:p="http://schemas.openxmlformats.org/presentationml/2006/main">
   <p:cSld>
     <p:spTree>
@@ -8568,7 +8701,7 @@
 </p:sld>
 </file>
 
-<file path=ppt/slides/slide15.xml><?xml version="1.0" encoding="utf-8"?>
+<file path=ppt/slides/slide16.xml><?xml version="1.0" encoding="utf-8"?>
 <p:sld xmlns:a="http://schemas.openxmlformats.org/drawingml/2006/main" xmlns:r="http://schemas.openxmlformats.org/officeDocument/2006/relationships" xmlns:p="http://schemas.openxmlformats.org/presentationml/2006/main">
   <p:cSld>
     <p:spTree>
@@ -8682,7 +8815,7 @@
 </p:sld>
 </file>
 
-<file path=ppt/slides/slide16.xml><?xml version="1.0" encoding="utf-8"?>
+<file path=ppt/slides/slide17.xml><?xml version="1.0" encoding="utf-8"?>
 <p:sld xmlns:a="http://schemas.openxmlformats.org/drawingml/2006/main" xmlns:r="http://schemas.openxmlformats.org/officeDocument/2006/relationships" xmlns:p="http://schemas.openxmlformats.org/presentationml/2006/main">
   <p:cSld>
     <p:spTree>
@@ -8795,7 +8928,7 @@
 </p:sld>
 </file>
 
-<file path=ppt/slides/slide17.xml><?xml version="1.0" encoding="utf-8"?>
+<file path=ppt/slides/slide18.xml><?xml version="1.0" encoding="utf-8"?>
 <p:sld xmlns:a="http://schemas.openxmlformats.org/drawingml/2006/main" xmlns:r="http://schemas.openxmlformats.org/officeDocument/2006/relationships" xmlns:p="http://schemas.openxmlformats.org/presentationml/2006/main">
   <p:cSld>
     <p:spTree>
@@ -9275,6 +9408,767 @@
 </file>
 
 <file path=ppt/slides/slide4.xml><?xml version="1.0" encoding="utf-8"?>
+<p:sld xmlns:a="http://schemas.openxmlformats.org/drawingml/2006/main" xmlns:r="http://schemas.openxmlformats.org/officeDocument/2006/relationships" xmlns:p="http://schemas.openxmlformats.org/presentationml/2006/main">
+  <p:cSld>
+    <p:spTree>
+      <p:nvGrpSpPr>
+        <p:cNvPr id="1" name=""/>
+        <p:cNvGrpSpPr/>
+        <p:nvPr/>
+      </p:nvGrpSpPr>
+      <p:grpSpPr>
+        <a:xfrm>
+          <a:off x="0" y="0"/>
+          <a:ext cx="0" cy="0"/>
+          <a:chOff x="0" y="0"/>
+          <a:chExt cx="0" cy="0"/>
+        </a:xfrm>
+      </p:grpSpPr>
+      <p:sp>
+        <p:nvSpPr>
+          <p:cNvPr id="2" name="标题 1"/>
+          <p:cNvSpPr>
+            <a:spLocks noGrp="1"/>
+          </p:cNvSpPr>
+          <p:nvPr>
+            <p:ph type="title"/>
+          </p:nvPr>
+        </p:nvSpPr>
+        <p:spPr/>
+        <p:txBody>
+          <a:bodyPr/>
+          <a:lstStyle/>
+          <a:p>
+            <a:r>
+              <a:rPr lang="zh-CN" altLang="en-US" dirty="0"/>
+              <a:t>功能介绍</a:t>
+            </a:r>
+            <a:endParaRPr lang="zh-CN" altLang="en-US" dirty="0"/>
+          </a:p>
+        </p:txBody>
+      </p:sp>
+      <p:sp>
+        <p:nvSpPr>
+          <p:cNvPr id="3" name="内容占位符 2"/>
+          <p:cNvSpPr>
+            <a:spLocks noGrp="1"/>
+          </p:cNvSpPr>
+          <p:nvPr>
+            <p:ph idx="1"/>
+          </p:nvPr>
+        </p:nvSpPr>
+        <p:spPr/>
+        <p:txBody>
+          <a:bodyPr>
+            <a:normAutofit fontScale="90000" lnSpcReduction="20000"/>
+          </a:bodyPr>
+          <a:lstStyle/>
+          <a:p>
+            <a:r>
+              <a:rPr lang="zh-CN" altLang="en-US" dirty="0"/>
+              <a:t>  财务管理</a:t>
+            </a:r>
+            <a:endParaRPr lang="en-US" altLang="zh-CN" dirty="0"/>
+          </a:p>
+          <a:p>
+            <a:pPr marL="0" indent="0">
+              <a:buNone/>
+            </a:pPr>
+            <a:endParaRPr lang="en-US" altLang="zh-CN" dirty="0"/>
+          </a:p>
+          <a:p>
+            <a:pPr marL="0" indent="0">
+              <a:buNone/>
+            </a:pPr>
+            <a:r>
+              <a:rPr lang="en-US" altLang="zh-CN" dirty="0"/>
+              <a:t>        </a:t>
+            </a:r>
+            <a:r>
+              <a:rPr lang="zh-CN" altLang="en-US" dirty="0"/>
+              <a:t>工资管理。员工所得工资包括基本工资，销售 </a:t>
+            </a:r>
+            <a:endParaRPr lang="zh-CN" altLang="en-US" dirty="0"/>
+          </a:p>
+          <a:p>
+            <a:pPr marL="0" indent="0">
+              <a:buNone/>
+            </a:pPr>
+            <a:r>
+              <a:rPr lang="zh-CN" altLang="en-US" dirty="0"/>
+              <a:t>提成，个人所得税三部分。销售提成与个人所得税</a:t>
+            </a:r>
+            <a:endParaRPr lang="zh-CN" altLang="en-US" dirty="0"/>
+          </a:p>
+          <a:p>
+            <a:pPr marL="0" indent="0">
+              <a:buNone/>
+            </a:pPr>
+            <a:r>
+              <a:rPr lang="zh-CN" altLang="en-US" dirty="0"/>
+              <a:t>率系统中都有相应的地方进行维护。</a:t>
+            </a:r>
+            <a:r>
+              <a:rPr lang="en-US" altLang="zh-CN" dirty="0"/>
+              <a:t> </a:t>
+            </a:r>
+            <a:endParaRPr lang="en-US" altLang="zh-CN" dirty="0"/>
+          </a:p>
+          <a:p>
+            <a:pPr marL="0" indent="0">
+              <a:buNone/>
+            </a:pPr>
+            <a:r>
+              <a:rPr lang="zh-CN" altLang="en-US" dirty="0"/>
+              <a:t>        管理每个月的盈利情况。通过维护每个月的杂费，</a:t>
+            </a:r>
+            <a:endParaRPr lang="zh-CN" altLang="en-US" dirty="0"/>
+          </a:p>
+          <a:p>
+            <a:pPr marL="0" indent="0">
+              <a:buNone/>
+            </a:pPr>
+            <a:r>
+              <a:rPr lang="zh-CN" altLang="en-US" dirty="0"/>
+              <a:t>员工工资以及产品成本来得出每个月的盈利。</a:t>
+            </a:r>
+            <a:endParaRPr lang="en-US" altLang="zh-CN" dirty="0"/>
+          </a:p>
+          <a:p>
+            <a:pPr marL="0" indent="0">
+              <a:buNone/>
+            </a:pPr>
+            <a:r>
+              <a:rPr lang="en-US" altLang="zh-CN" dirty="0"/>
+              <a:t>        </a:t>
+            </a:r>
+            <a:r>
+              <a:rPr lang="zh-CN" altLang="en-US" dirty="0"/>
+              <a:t>工资维护和盈利维护只有在每个月的</a:t>
+            </a:r>
+            <a:r>
+              <a:rPr lang="en-US" altLang="zh-CN" dirty="0"/>
+              <a:t>1</a:t>
+            </a:r>
+            <a:r>
+              <a:rPr lang="zh-CN" altLang="en-US" dirty="0"/>
+              <a:t>号进行维</a:t>
+            </a:r>
+            <a:endParaRPr lang="zh-CN" altLang="en-US" dirty="0"/>
+          </a:p>
+          <a:p>
+            <a:pPr marL="0" indent="0">
+              <a:buNone/>
+            </a:pPr>
+            <a:r>
+              <a:rPr lang="zh-CN" altLang="en-US" dirty="0"/>
+              <a:t>护，</a:t>
+            </a:r>
+            <a:endParaRPr lang="zh-CN" altLang="en-US" dirty="0"/>
+          </a:p>
+          <a:p>
+            <a:pPr marL="0" indent="0">
+              <a:buNone/>
+            </a:pPr>
+            <a:r>
+              <a:rPr lang="zh-CN" altLang="en-US" dirty="0"/>
+              <a:t>而盈利维护必须在杂费维护以及员工工资维护完成之</a:t>
+            </a:r>
+            <a:endParaRPr lang="zh-CN" altLang="en-US" dirty="0"/>
+          </a:p>
+          <a:p>
+            <a:pPr marL="0" indent="0">
+              <a:buNone/>
+            </a:pPr>
+            <a:r>
+              <a:rPr lang="zh-CN" altLang="en-US" dirty="0"/>
+              <a:t>后。</a:t>
+            </a:r>
+            <a:endParaRPr lang="en-US" altLang="zh-CN" dirty="0"/>
+          </a:p>
+        </p:txBody>
+      </p:sp>
+      <p:pic>
+        <p:nvPicPr>
+          <p:cNvPr id="4" name="图片 3" descr="工资"/>
+          <p:cNvPicPr>
+            <a:picLocks noChangeAspect="1"/>
+          </p:cNvPicPr>
+          <p:nvPr/>
+        </p:nvPicPr>
+        <p:blipFill>
+          <a:blip r:embed="rId1"/>
+          <a:stretch>
+            <a:fillRect/>
+          </a:stretch>
+        </p:blipFill>
+        <p:spPr>
+          <a:xfrm>
+            <a:off x="8081645" y="2947035"/>
+            <a:ext cx="4022090" cy="1329690"/>
+          </a:xfrm>
+          <a:prstGeom prst="rect">
+            <a:avLst/>
+          </a:prstGeom>
+        </p:spPr>
+      </p:pic>
+      <p:pic>
+        <p:nvPicPr>
+          <p:cNvPr id="5" name="图片 4" descr="盈利"/>
+          <p:cNvPicPr>
+            <a:picLocks noChangeAspect="1"/>
+          </p:cNvPicPr>
+          <p:nvPr/>
+        </p:nvPicPr>
+        <p:blipFill>
+          <a:blip r:embed="rId2"/>
+          <a:stretch>
+            <a:fillRect/>
+          </a:stretch>
+        </p:blipFill>
+        <p:spPr>
+          <a:xfrm>
+            <a:off x="8082280" y="4474210"/>
+            <a:ext cx="4021455" cy="1122680"/>
+          </a:xfrm>
+          <a:prstGeom prst="rect">
+            <a:avLst/>
+          </a:prstGeom>
+        </p:spPr>
+      </p:pic>
+    </p:spTree>
+  </p:cSld>
+  <p:clrMapOvr>
+    <a:masterClrMapping/>
+  </p:clrMapOvr>
+</p:sld>
+</file>
+
+<file path=ppt/slides/slide5.xml><?xml version="1.0" encoding="utf-8"?>
+<p:sld xmlns:a="http://schemas.openxmlformats.org/drawingml/2006/main" xmlns:r="http://schemas.openxmlformats.org/officeDocument/2006/relationships" xmlns:p="http://schemas.openxmlformats.org/presentationml/2006/main">
+  <p:cSld>
+    <p:spTree>
+      <p:nvGrpSpPr>
+        <p:cNvPr id="1" name=""/>
+        <p:cNvGrpSpPr/>
+        <p:nvPr/>
+      </p:nvGrpSpPr>
+      <p:grpSpPr>
+        <a:xfrm>
+          <a:off x="0" y="0"/>
+          <a:ext cx="0" cy="0"/>
+          <a:chOff x="0" y="0"/>
+          <a:chExt cx="0" cy="0"/>
+        </a:xfrm>
+      </p:grpSpPr>
+      <p:sp>
+        <p:nvSpPr>
+          <p:cNvPr id="2" name="标题 1"/>
+          <p:cNvSpPr>
+            <a:spLocks noGrp="1"/>
+          </p:cNvSpPr>
+          <p:nvPr>
+            <p:ph type="title"/>
+          </p:nvPr>
+        </p:nvSpPr>
+        <p:spPr/>
+        <p:txBody>
+          <a:bodyPr/>
+          <a:lstStyle/>
+          <a:p>
+            <a:r>
+              <a:rPr lang="zh-CN" altLang="en-US" dirty="0"/>
+              <a:t>功能介绍 </a:t>
+            </a:r>
+            <a:endParaRPr lang="zh-CN" altLang="en-US" dirty="0"/>
+          </a:p>
+        </p:txBody>
+      </p:sp>
+      <p:sp>
+        <p:nvSpPr>
+          <p:cNvPr id="3" name="内容占位符 2"/>
+          <p:cNvSpPr>
+            <a:spLocks noGrp="1"/>
+          </p:cNvSpPr>
+          <p:nvPr>
+            <p:ph idx="1"/>
+          </p:nvPr>
+        </p:nvSpPr>
+        <p:spPr/>
+        <p:txBody>
+          <a:bodyPr>
+            <a:normAutofit lnSpcReduction="10000"/>
+          </a:bodyPr>
+          <a:lstStyle/>
+          <a:p>
+            <a:r>
+              <a:rPr lang="zh-CN" altLang="en-US" dirty="0"/>
+              <a:t>   销售管理</a:t>
+            </a:r>
+            <a:endParaRPr lang="zh-CN" altLang="en-US" dirty="0"/>
+          </a:p>
+          <a:p>
+            <a:pPr marL="0" indent="0">
+              <a:buNone/>
+            </a:pPr>
+            <a:endParaRPr lang="en-US" altLang="zh-CN" dirty="0"/>
+          </a:p>
+          <a:p>
+            <a:pPr marL="0" indent="0">
+              <a:buNone/>
+            </a:pPr>
+            <a:r>
+              <a:rPr lang="en-US" altLang="zh-CN" dirty="0"/>
+              <a:t>	 </a:t>
+            </a:r>
+            <a:r>
+              <a:rPr lang="zh-CN" altLang="en-US" dirty="0"/>
+              <a:t>该模块用于形成销售订单，该模块提供</a:t>
+            </a:r>
+            <a:endParaRPr lang="zh-CN" altLang="en-US" dirty="0"/>
+          </a:p>
+          <a:p>
+            <a:pPr marL="0" indent="0">
+              <a:buNone/>
+            </a:pPr>
+            <a:r>
+              <a:rPr lang="zh-CN" altLang="en-US" dirty="0"/>
+              <a:t>显示店内所有手机及其型号，在形成订单时，</a:t>
+            </a:r>
+            <a:endParaRPr lang="zh-CN" altLang="en-US" dirty="0"/>
+          </a:p>
+          <a:p>
+            <a:pPr marL="0" indent="0">
+              <a:buNone/>
+            </a:pPr>
+            <a:r>
+              <a:rPr lang="zh-CN" altLang="en-US" dirty="0"/>
+              <a:t>系统会为每一条订单自动形成一个唯一的订</a:t>
+            </a:r>
+            <a:endParaRPr lang="zh-CN" altLang="en-US" dirty="0"/>
+          </a:p>
+          <a:p>
+            <a:pPr marL="0" indent="0">
+              <a:buNone/>
+            </a:pPr>
+            <a:r>
+              <a:rPr lang="zh-CN" altLang="en-US" dirty="0"/>
+              <a:t>单编号，每一次制作订单时，系统会自动查</a:t>
+            </a:r>
+            <a:endParaRPr lang="zh-CN" altLang="en-US" dirty="0"/>
+          </a:p>
+          <a:p>
+            <a:pPr marL="0" indent="0">
+              <a:buNone/>
+            </a:pPr>
+            <a:r>
+              <a:rPr lang="zh-CN" altLang="en-US" dirty="0"/>
+              <a:t>询数据库中该下单的手机型号是否有现货，</a:t>
+            </a:r>
+            <a:endParaRPr lang="zh-CN" altLang="en-US" dirty="0"/>
+          </a:p>
+          <a:p>
+            <a:pPr marL="0" indent="0">
+              <a:buNone/>
+            </a:pPr>
+            <a:r>
+              <a:rPr lang="zh-CN" altLang="en-US" dirty="0"/>
+              <a:t>以及价格。订单形成后，相应的操作员可以</a:t>
+            </a:r>
+            <a:endParaRPr lang="zh-CN" altLang="en-US" dirty="0"/>
+          </a:p>
+          <a:p>
+            <a:pPr marL="0" indent="0">
+              <a:buNone/>
+            </a:pPr>
+            <a:r>
+              <a:rPr lang="zh-CN" altLang="en-US" dirty="0"/>
+              <a:t>撤回删除订单的，处该订单的操作员以及管</a:t>
+            </a:r>
+            <a:endParaRPr lang="zh-CN" altLang="en-US" dirty="0"/>
+          </a:p>
+          <a:p>
+            <a:pPr marL="0" indent="0">
+              <a:buNone/>
+            </a:pPr>
+            <a:r>
+              <a:rPr lang="zh-CN" altLang="en-US" dirty="0"/>
+              <a:t>理员，其他人无权删除。</a:t>
+            </a:r>
+            <a:endParaRPr lang="en-US" altLang="zh-CN" dirty="0"/>
+          </a:p>
+          <a:p>
+            <a:pPr marL="0" indent="0">
+              <a:buNone/>
+            </a:pPr>
+            <a:endParaRPr lang="zh-CN" altLang="en-US" dirty="0"/>
+          </a:p>
+        </p:txBody>
+      </p:sp>
+      <p:pic>
+        <p:nvPicPr>
+          <p:cNvPr id="4" name="图片 3" descr="sale"/>
+          <p:cNvPicPr>
+            <a:picLocks noChangeAspect="1"/>
+          </p:cNvPicPr>
+          <p:nvPr/>
+        </p:nvPicPr>
+        <p:blipFill>
+          <a:blip r:embed="rId1"/>
+          <a:stretch>
+            <a:fillRect/>
+          </a:stretch>
+        </p:blipFill>
+        <p:spPr>
+          <a:xfrm>
+            <a:off x="7143115" y="2505710"/>
+            <a:ext cx="4832985" cy="1153160"/>
+          </a:xfrm>
+          <a:prstGeom prst="rect">
+            <a:avLst/>
+          </a:prstGeom>
+        </p:spPr>
+      </p:pic>
+      <p:pic>
+        <p:nvPicPr>
+          <p:cNvPr id="5" name="图片 4" descr="save"/>
+          <p:cNvPicPr>
+            <a:picLocks noChangeAspect="1"/>
+          </p:cNvPicPr>
+          <p:nvPr/>
+        </p:nvPicPr>
+        <p:blipFill>
+          <a:blip r:embed="rId2"/>
+          <a:stretch>
+            <a:fillRect/>
+          </a:stretch>
+        </p:blipFill>
+        <p:spPr>
+          <a:xfrm>
+            <a:off x="7143115" y="3724275"/>
+            <a:ext cx="4832985" cy="2037715"/>
+          </a:xfrm>
+          <a:prstGeom prst="rect">
+            <a:avLst/>
+          </a:prstGeom>
+        </p:spPr>
+      </p:pic>
+    </p:spTree>
+  </p:cSld>
+  <p:clrMapOvr>
+    <a:masterClrMapping/>
+  </p:clrMapOvr>
+</p:sld>
+</file>
+
+<file path=ppt/slides/slide6.xml><?xml version="1.0" encoding="utf-8"?>
+<p:sld xmlns:a="http://schemas.openxmlformats.org/drawingml/2006/main" xmlns:r="http://schemas.openxmlformats.org/officeDocument/2006/relationships" xmlns:p="http://schemas.openxmlformats.org/presentationml/2006/main">
+  <p:cSld>
+    <p:spTree>
+      <p:nvGrpSpPr>
+        <p:cNvPr id="1" name=""/>
+        <p:cNvGrpSpPr/>
+        <p:nvPr/>
+      </p:nvGrpSpPr>
+      <p:grpSpPr>
+        <a:xfrm>
+          <a:off x="0" y="0"/>
+          <a:ext cx="0" cy="0"/>
+          <a:chOff x="0" y="0"/>
+          <a:chExt cx="0" cy="0"/>
+        </a:xfrm>
+      </p:grpSpPr>
+      <p:sp>
+        <p:nvSpPr>
+          <p:cNvPr id="2" name="标题 1"/>
+          <p:cNvSpPr>
+            <a:spLocks noGrp="1"/>
+          </p:cNvSpPr>
+          <p:nvPr>
+            <p:ph type="title"/>
+          </p:nvPr>
+        </p:nvSpPr>
+        <p:spPr/>
+        <p:txBody>
+          <a:bodyPr/>
+          <a:lstStyle/>
+          <a:p>
+            <a:r>
+              <a:rPr lang="zh-CN" altLang="en-US" dirty="0"/>
+              <a:t>功能介绍</a:t>
+            </a:r>
+            <a:endParaRPr lang="zh-CN" altLang="en-US" dirty="0"/>
+          </a:p>
+        </p:txBody>
+      </p:sp>
+      <p:sp>
+        <p:nvSpPr>
+          <p:cNvPr id="3" name="内容占位符 2"/>
+          <p:cNvSpPr>
+            <a:spLocks noGrp="1"/>
+          </p:cNvSpPr>
+          <p:nvPr>
+            <p:ph idx="1"/>
+          </p:nvPr>
+        </p:nvSpPr>
+        <p:spPr/>
+        <p:txBody>
+          <a:bodyPr/>
+          <a:lstStyle/>
+          <a:p>
+            <a:r>
+              <a:rPr lang="zh-CN" altLang="en-US" dirty="0"/>
+              <a:t>  统计分析</a:t>
+            </a:r>
+            <a:endParaRPr lang="zh-CN" altLang="en-US" dirty="0"/>
+          </a:p>
+          <a:p>
+            <a:pPr marL="0" indent="0">
+              <a:buNone/>
+            </a:pPr>
+            <a:endParaRPr lang="en-US" altLang="zh-CN" dirty="0"/>
+          </a:p>
+          <a:p>
+            <a:pPr marL="0" indent="0">
+              <a:buNone/>
+            </a:pPr>
+            <a:r>
+              <a:rPr lang="zh-CN" altLang="en-US" dirty="0"/>
+              <a:t>       该模块用于统计分析每周每月的销售情况。</a:t>
+            </a:r>
+            <a:endParaRPr lang="zh-CN" altLang="en-US" dirty="0"/>
+          </a:p>
+          <a:p>
+            <a:pPr marL="0" indent="0">
+              <a:buNone/>
+            </a:pPr>
+            <a:r>
+              <a:rPr lang="zh-CN" altLang="en-US" dirty="0"/>
+              <a:t>通过订单情况和客户的反馈以视图的形式最直</a:t>
+            </a:r>
+            <a:endParaRPr lang="zh-CN" altLang="en-US" dirty="0"/>
+          </a:p>
+          <a:p>
+            <a:pPr marL="0" indent="0">
+              <a:buNone/>
+            </a:pPr>
+            <a:r>
+              <a:rPr lang="zh-CN" altLang="en-US" dirty="0"/>
+              <a:t>观的展现在店家的面前，系统中的视图会根据</a:t>
+            </a:r>
+            <a:endParaRPr lang="zh-CN" altLang="en-US" dirty="0"/>
+          </a:p>
+          <a:p>
+            <a:pPr marL="0" indent="0">
+              <a:buNone/>
+            </a:pPr>
+            <a:r>
+              <a:rPr lang="zh-CN" altLang="en-US" dirty="0"/>
+              <a:t>系统的设置定期更新数据，让店家以最快的时</a:t>
+            </a:r>
+            <a:endParaRPr lang="zh-CN" altLang="en-US" dirty="0"/>
+          </a:p>
+          <a:p>
+            <a:pPr marL="0" indent="0">
+              <a:buNone/>
+            </a:pPr>
+            <a:r>
+              <a:rPr lang="zh-CN" altLang="en-US" dirty="0"/>
+              <a:t>间获取最新的销售数据。</a:t>
+            </a:r>
+            <a:endParaRPr lang="zh-CN" altLang="en-US" dirty="0"/>
+          </a:p>
+        </p:txBody>
+      </p:sp>
+      <p:pic>
+        <p:nvPicPr>
+          <p:cNvPr id="4" name="图片 3" descr="分析"/>
+          <p:cNvPicPr>
+            <a:picLocks noChangeAspect="1"/>
+          </p:cNvPicPr>
+          <p:nvPr/>
+        </p:nvPicPr>
+        <p:blipFill>
+          <a:blip r:embed="rId1"/>
+          <a:stretch>
+            <a:fillRect/>
+          </a:stretch>
+        </p:blipFill>
+        <p:spPr>
+          <a:xfrm>
+            <a:off x="7537450" y="2858135"/>
+            <a:ext cx="4554855" cy="2537460"/>
+          </a:xfrm>
+          <a:prstGeom prst="rect">
+            <a:avLst/>
+          </a:prstGeom>
+        </p:spPr>
+      </p:pic>
+    </p:spTree>
+  </p:cSld>
+  <p:clrMapOvr>
+    <a:masterClrMapping/>
+  </p:clrMapOvr>
+</p:sld>
+</file>
+
+<file path=ppt/slides/slide7.xml><?xml version="1.0" encoding="utf-8"?>
+<p:sld xmlns:a="http://schemas.openxmlformats.org/drawingml/2006/main" xmlns:r="http://schemas.openxmlformats.org/officeDocument/2006/relationships" xmlns:p="http://schemas.openxmlformats.org/presentationml/2006/main">
+  <p:cSld>
+    <p:spTree>
+      <p:nvGrpSpPr>
+        <p:cNvPr id="1" name=""/>
+        <p:cNvGrpSpPr/>
+        <p:nvPr/>
+      </p:nvGrpSpPr>
+      <p:grpSpPr>
+        <a:xfrm>
+          <a:off x="0" y="0"/>
+          <a:ext cx="0" cy="0"/>
+          <a:chOff x="0" y="0"/>
+          <a:chExt cx="0" cy="0"/>
+        </a:xfrm>
+      </p:grpSpPr>
+      <p:sp>
+        <p:nvSpPr>
+          <p:cNvPr id="2" name="标题 1"/>
+          <p:cNvSpPr>
+            <a:spLocks noGrp="1"/>
+          </p:cNvSpPr>
+          <p:nvPr>
+            <p:ph type="title"/>
+          </p:nvPr>
+        </p:nvSpPr>
+        <p:spPr/>
+        <p:txBody>
+          <a:bodyPr/>
+          <a:lstStyle/>
+          <a:p>
+            <a:r>
+              <a:rPr lang="zh-CN" altLang="en-US" dirty="0"/>
+              <a:t>功能介绍</a:t>
+            </a:r>
+            <a:endParaRPr lang="zh-CN" altLang="en-US" dirty="0"/>
+          </a:p>
+        </p:txBody>
+      </p:sp>
+      <p:sp>
+        <p:nvSpPr>
+          <p:cNvPr id="3" name="内容占位符 2"/>
+          <p:cNvSpPr>
+            <a:spLocks noGrp="1"/>
+          </p:cNvSpPr>
+          <p:nvPr>
+            <p:ph idx="1"/>
+          </p:nvPr>
+        </p:nvSpPr>
+        <p:spPr/>
+        <p:txBody>
+          <a:bodyPr/>
+          <a:lstStyle/>
+          <a:p>
+            <a:r>
+              <a:rPr lang="zh-CN" altLang="en-US" dirty="0"/>
+              <a:t> 部门管理</a:t>
+            </a:r>
+            <a:endParaRPr lang="en-US" altLang="zh-CN" dirty="0"/>
+          </a:p>
+          <a:p>
+            <a:endParaRPr lang="zh-CN" altLang="en-US" dirty="0"/>
+          </a:p>
+          <a:p>
+            <a:pPr marL="0" indent="0">
+              <a:buNone/>
+            </a:pPr>
+            <a:r>
+              <a:rPr lang="zh-CN" altLang="en-US" dirty="0"/>
+              <a:t>      该模块用于部门管理。由于中小型手机 </a:t>
+            </a:r>
+            <a:endParaRPr lang="zh-CN" altLang="en-US" dirty="0"/>
+          </a:p>
+          <a:p>
+            <a:pPr marL="0" indent="0">
+              <a:buNone/>
+            </a:pPr>
+            <a:r>
+              <a:rPr lang="zh-CN" altLang="en-US" dirty="0"/>
+              <a:t>店家基本都是自体户，所以系统只提供两个</a:t>
+            </a:r>
+            <a:endParaRPr lang="zh-CN" altLang="en-US" dirty="0"/>
+          </a:p>
+          <a:p>
+            <a:pPr marL="0" indent="0">
+              <a:buNone/>
+            </a:pPr>
+            <a:r>
+              <a:rPr lang="zh-CN" altLang="en-US" dirty="0"/>
+              <a:t>本门的管理</a:t>
+            </a:r>
+            <a:r>
+              <a:rPr lang="en-US" altLang="zh-CN" dirty="0"/>
+              <a:t>-</a:t>
+            </a:r>
+            <a:r>
+              <a:rPr lang="zh-CN" altLang="en-US" dirty="0"/>
+              <a:t>销售本门和售后部门。该模块可</a:t>
+            </a:r>
+            <a:endParaRPr lang="zh-CN" altLang="en-US" dirty="0"/>
+          </a:p>
+          <a:p>
+            <a:pPr marL="0" indent="0">
+              <a:buNone/>
+            </a:pPr>
+            <a:r>
+              <a:rPr lang="zh-CN" altLang="en-US" dirty="0"/>
+              <a:t>以对部门进行添加，删除和修改，以及查看</a:t>
+            </a:r>
+            <a:endParaRPr lang="zh-CN" altLang="en-US" dirty="0"/>
+          </a:p>
+          <a:p>
+            <a:pPr marL="0" indent="0">
+              <a:buNone/>
+            </a:pPr>
+            <a:r>
+              <a:rPr lang="zh-CN" altLang="en-US" dirty="0"/>
+              <a:t>该部门下的所有员工。</a:t>
+            </a:r>
+            <a:endParaRPr lang="zh-CN" altLang="en-US" dirty="0"/>
+          </a:p>
+        </p:txBody>
+      </p:sp>
+      <p:pic>
+        <p:nvPicPr>
+          <p:cNvPr id="4" name="图片 3" descr="部门"/>
+          <p:cNvPicPr>
+            <a:picLocks noChangeAspect="1"/>
+          </p:cNvPicPr>
+          <p:nvPr/>
+        </p:nvPicPr>
+        <p:blipFill>
+          <a:blip r:embed="rId1"/>
+          <a:stretch>
+            <a:fillRect/>
+          </a:stretch>
+        </p:blipFill>
+        <p:spPr>
+          <a:xfrm>
+            <a:off x="7459345" y="2971165"/>
+            <a:ext cx="4509770" cy="2102485"/>
+          </a:xfrm>
+          <a:prstGeom prst="rect">
+            <a:avLst/>
+          </a:prstGeom>
+        </p:spPr>
+      </p:pic>
+    </p:spTree>
+  </p:cSld>
+  <p:clrMapOvr>
+    <a:masterClrMapping/>
+  </p:clrMapOvr>
+</p:sld>
+</file>
+
+<file path=ppt/slides/slide8.xml><?xml version="1.0" encoding="utf-8"?>
 <p:sld xmlns:a="http://schemas.openxmlformats.org/drawingml/2006/main" xmlns:r="http://schemas.openxmlformats.org/officeDocument/2006/relationships" xmlns:p="http://schemas.openxmlformats.org/presentationml/2006/main">
   <p:cSld>
     <p:spTree>
@@ -9493,727 +10387,6 @@
 </p:sld>
 </file>
 
-<file path=ppt/slides/slide5.xml><?xml version="1.0" encoding="utf-8"?>
-<p:sld xmlns:a="http://schemas.openxmlformats.org/drawingml/2006/main" xmlns:r="http://schemas.openxmlformats.org/officeDocument/2006/relationships" xmlns:p="http://schemas.openxmlformats.org/presentationml/2006/main">
-  <p:cSld>
-    <p:spTree>
-      <p:nvGrpSpPr>
-        <p:cNvPr id="1" name=""/>
-        <p:cNvGrpSpPr/>
-        <p:nvPr/>
-      </p:nvGrpSpPr>
-      <p:grpSpPr>
-        <a:xfrm>
-          <a:off x="0" y="0"/>
-          <a:ext cx="0" cy="0"/>
-          <a:chOff x="0" y="0"/>
-          <a:chExt cx="0" cy="0"/>
-        </a:xfrm>
-      </p:grpSpPr>
-      <p:sp>
-        <p:nvSpPr>
-          <p:cNvPr id="2" name="标题 1"/>
-          <p:cNvSpPr>
-            <a:spLocks noGrp="1"/>
-          </p:cNvSpPr>
-          <p:nvPr>
-            <p:ph type="title"/>
-          </p:nvPr>
-        </p:nvSpPr>
-        <p:spPr/>
-        <p:txBody>
-          <a:bodyPr/>
-          <a:lstStyle/>
-          <a:p>
-            <a:r>
-              <a:rPr lang="zh-CN" altLang="en-US" dirty="0"/>
-              <a:t>功能介绍</a:t>
-            </a:r>
-            <a:endParaRPr lang="zh-CN" altLang="en-US" dirty="0"/>
-          </a:p>
-        </p:txBody>
-      </p:sp>
-      <p:sp>
-        <p:nvSpPr>
-          <p:cNvPr id="3" name="内容占位符 2"/>
-          <p:cNvSpPr>
-            <a:spLocks noGrp="1"/>
-          </p:cNvSpPr>
-          <p:nvPr>
-            <p:ph idx="1"/>
-          </p:nvPr>
-        </p:nvSpPr>
-        <p:spPr/>
-        <p:txBody>
-          <a:bodyPr/>
-          <a:lstStyle/>
-          <a:p>
-            <a:r>
-              <a:rPr lang="zh-CN" altLang="en-US" dirty="0"/>
-              <a:t>    系统主页面</a:t>
-            </a:r>
-            <a:endParaRPr lang="en-US" altLang="zh-CN" dirty="0"/>
-          </a:p>
-          <a:p>
-            <a:pPr marL="0" indent="0">
-              <a:buNone/>
-            </a:pPr>
-            <a:r>
-              <a:rPr lang="en-US" altLang="zh-CN" dirty="0"/>
-              <a:t>   </a:t>
-            </a:r>
-            <a:r>
-              <a:rPr lang="zh-CN" altLang="en-US" dirty="0"/>
-              <a:t>      该模块对产品信息的管理。在添加产</a:t>
-            </a:r>
-            <a:endParaRPr lang="zh-CN" altLang="en-US" dirty="0"/>
-          </a:p>
-          <a:p>
-            <a:pPr marL="0" indent="0">
-              <a:buNone/>
-            </a:pPr>
-            <a:r>
-              <a:rPr lang="zh-CN" altLang="en-US" dirty="0"/>
-              <a:t>品的时候系统会自动生成唯一的产品编号，</a:t>
-            </a:r>
-            <a:endParaRPr lang="zh-CN" altLang="en-US" dirty="0"/>
-          </a:p>
-          <a:p>
-            <a:pPr marL="0" indent="0">
-              <a:buNone/>
-            </a:pPr>
-            <a:r>
-              <a:rPr lang="zh-CN" altLang="en-US" dirty="0"/>
-              <a:t>要注意添加手机是属于哪一类手机如华为</a:t>
-            </a:r>
-            <a:endParaRPr lang="zh-CN" altLang="en-US" dirty="0"/>
-          </a:p>
-          <a:p>
-            <a:pPr marL="0" indent="0">
-              <a:buNone/>
-            </a:pPr>
-            <a:r>
-              <a:rPr lang="en-US" altLang="zh-CN" dirty="0"/>
-              <a:t>vivo</a:t>
-            </a:r>
-            <a:r>
-              <a:rPr lang="zh-CN" altLang="en-US" dirty="0"/>
-              <a:t>等。该模块会显示店内每款手机的数</a:t>
-            </a:r>
-            <a:endParaRPr lang="zh-CN" altLang="en-US" dirty="0"/>
-          </a:p>
-          <a:p>
-            <a:pPr marL="0" indent="0">
-              <a:buNone/>
-            </a:pPr>
-            <a:r>
-              <a:rPr lang="zh-CN" altLang="en-US" dirty="0"/>
-              <a:t>量和成本费以及售价。删除产品时会提示</a:t>
-            </a:r>
-            <a:endParaRPr lang="zh-CN" altLang="en-US" dirty="0"/>
-          </a:p>
-          <a:p>
-            <a:pPr marL="0" indent="0">
-              <a:buNone/>
-            </a:pPr>
-            <a:r>
-              <a:rPr lang="zh-CN" altLang="en-US" dirty="0"/>
-              <a:t>是否确定删除，因为一旦删除，该产品下</a:t>
-            </a:r>
-            <a:endParaRPr lang="zh-CN" altLang="en-US" dirty="0"/>
-          </a:p>
-          <a:p>
-            <a:pPr marL="0" indent="0">
-              <a:buNone/>
-            </a:pPr>
-            <a:r>
-              <a:rPr lang="zh-CN" altLang="en-US" dirty="0"/>
-              <a:t>的所有信息如订单详情等将都会删除。</a:t>
-            </a:r>
-            <a:endParaRPr lang="zh-CN" altLang="en-US" dirty="0"/>
-          </a:p>
-        </p:txBody>
-      </p:sp>
-      <p:pic>
-        <p:nvPicPr>
-          <p:cNvPr id="4" name="图片 3" descr="index1"/>
-          <p:cNvPicPr>
-            <a:picLocks noChangeAspect="1"/>
-          </p:cNvPicPr>
-          <p:nvPr/>
-        </p:nvPicPr>
-        <p:blipFill>
-          <a:blip r:embed="rId1"/>
-          <a:stretch>
-            <a:fillRect/>
-          </a:stretch>
-        </p:blipFill>
-        <p:spPr>
-          <a:xfrm>
-            <a:off x="6972300" y="2392680"/>
-            <a:ext cx="4637405" cy="2139950"/>
-          </a:xfrm>
-          <a:prstGeom prst="rect">
-            <a:avLst/>
-          </a:prstGeom>
-        </p:spPr>
-      </p:pic>
-      <p:pic>
-        <p:nvPicPr>
-          <p:cNvPr id="5" name="图片 4" descr="index2"/>
-          <p:cNvPicPr>
-            <a:picLocks noChangeAspect="1"/>
-          </p:cNvPicPr>
-          <p:nvPr/>
-        </p:nvPicPr>
-        <p:blipFill>
-          <a:blip r:embed="rId2"/>
-          <a:stretch>
-            <a:fillRect/>
-          </a:stretch>
-        </p:blipFill>
-        <p:spPr>
-          <a:xfrm>
-            <a:off x="6941820" y="4532630"/>
-            <a:ext cx="4667885" cy="1998345"/>
-          </a:xfrm>
-          <a:prstGeom prst="rect">
-            <a:avLst/>
-          </a:prstGeom>
-        </p:spPr>
-      </p:pic>
-    </p:spTree>
-  </p:cSld>
-  <p:clrMapOvr>
-    <a:masterClrMapping/>
-  </p:clrMapOvr>
-</p:sld>
-</file>
-
-<file path=ppt/slides/slide6.xml><?xml version="1.0" encoding="utf-8"?>
-<p:sld xmlns:a="http://schemas.openxmlformats.org/drawingml/2006/main" xmlns:r="http://schemas.openxmlformats.org/officeDocument/2006/relationships" xmlns:p="http://schemas.openxmlformats.org/presentationml/2006/main">
-  <p:cSld>
-    <p:spTree>
-      <p:nvGrpSpPr>
-        <p:cNvPr id="1" name=""/>
-        <p:cNvGrpSpPr/>
-        <p:nvPr/>
-      </p:nvGrpSpPr>
-      <p:grpSpPr>
-        <a:xfrm>
-          <a:off x="0" y="0"/>
-          <a:ext cx="0" cy="0"/>
-          <a:chOff x="0" y="0"/>
-          <a:chExt cx="0" cy="0"/>
-        </a:xfrm>
-      </p:grpSpPr>
-      <p:sp>
-        <p:nvSpPr>
-          <p:cNvPr id="2" name="标题 1"/>
-          <p:cNvSpPr>
-            <a:spLocks noGrp="1"/>
-          </p:cNvSpPr>
-          <p:nvPr>
-            <p:ph type="title"/>
-          </p:nvPr>
-        </p:nvSpPr>
-        <p:spPr/>
-        <p:txBody>
-          <a:bodyPr/>
-          <a:lstStyle/>
-          <a:p>
-            <a:r>
-              <a:rPr lang="zh-CN" altLang="en-US" dirty="0"/>
-              <a:t>功能介绍 </a:t>
-            </a:r>
-            <a:endParaRPr lang="zh-CN" altLang="en-US" dirty="0"/>
-          </a:p>
-        </p:txBody>
-      </p:sp>
-      <p:sp>
-        <p:nvSpPr>
-          <p:cNvPr id="3" name="内容占位符 2"/>
-          <p:cNvSpPr>
-            <a:spLocks noGrp="1"/>
-          </p:cNvSpPr>
-          <p:nvPr>
-            <p:ph idx="1"/>
-          </p:nvPr>
-        </p:nvSpPr>
-        <p:spPr/>
-        <p:txBody>
-          <a:bodyPr>
-            <a:normAutofit lnSpcReduction="10000"/>
-          </a:bodyPr>
-          <a:lstStyle/>
-          <a:p>
-            <a:r>
-              <a:rPr lang="zh-CN" altLang="en-US" dirty="0"/>
-              <a:t>   销售管理</a:t>
-            </a:r>
-            <a:endParaRPr lang="zh-CN" altLang="en-US" dirty="0"/>
-          </a:p>
-          <a:p>
-            <a:pPr marL="0" indent="0">
-              <a:buNone/>
-            </a:pPr>
-            <a:endParaRPr lang="en-US" altLang="zh-CN" dirty="0"/>
-          </a:p>
-          <a:p>
-            <a:pPr marL="0" indent="0">
-              <a:buNone/>
-            </a:pPr>
-            <a:r>
-              <a:rPr lang="en-US" altLang="zh-CN" dirty="0"/>
-              <a:t>	 </a:t>
-            </a:r>
-            <a:r>
-              <a:rPr lang="zh-CN" altLang="en-US" dirty="0"/>
-              <a:t>该模块用于形成销售订单，该模块提供</a:t>
-            </a:r>
-            <a:endParaRPr lang="zh-CN" altLang="en-US" dirty="0"/>
-          </a:p>
-          <a:p>
-            <a:pPr marL="0" indent="0">
-              <a:buNone/>
-            </a:pPr>
-            <a:r>
-              <a:rPr lang="zh-CN" altLang="en-US" dirty="0"/>
-              <a:t>显示店内所有手机及其型号，在形成订单时，</a:t>
-            </a:r>
-            <a:endParaRPr lang="zh-CN" altLang="en-US" dirty="0"/>
-          </a:p>
-          <a:p>
-            <a:pPr marL="0" indent="0">
-              <a:buNone/>
-            </a:pPr>
-            <a:r>
-              <a:rPr lang="zh-CN" altLang="en-US" dirty="0"/>
-              <a:t>系统会为每一条订单自动形成一个唯一的订</a:t>
-            </a:r>
-            <a:endParaRPr lang="zh-CN" altLang="en-US" dirty="0"/>
-          </a:p>
-          <a:p>
-            <a:pPr marL="0" indent="0">
-              <a:buNone/>
-            </a:pPr>
-            <a:r>
-              <a:rPr lang="zh-CN" altLang="en-US" dirty="0"/>
-              <a:t>单编号，每一次制作订单时，系统会自动查</a:t>
-            </a:r>
-            <a:endParaRPr lang="zh-CN" altLang="en-US" dirty="0"/>
-          </a:p>
-          <a:p>
-            <a:pPr marL="0" indent="0">
-              <a:buNone/>
-            </a:pPr>
-            <a:r>
-              <a:rPr lang="zh-CN" altLang="en-US" dirty="0"/>
-              <a:t>询数据库中该下单的手机型号是否有现货，</a:t>
-            </a:r>
-            <a:endParaRPr lang="zh-CN" altLang="en-US" dirty="0"/>
-          </a:p>
-          <a:p>
-            <a:pPr marL="0" indent="0">
-              <a:buNone/>
-            </a:pPr>
-            <a:r>
-              <a:rPr lang="zh-CN" altLang="en-US" dirty="0"/>
-              <a:t>以及价格。订单形成后，相应的操作员可以</a:t>
-            </a:r>
-            <a:endParaRPr lang="zh-CN" altLang="en-US" dirty="0"/>
-          </a:p>
-          <a:p>
-            <a:pPr marL="0" indent="0">
-              <a:buNone/>
-            </a:pPr>
-            <a:r>
-              <a:rPr lang="zh-CN" altLang="en-US" dirty="0"/>
-              <a:t>撤回删除订单的，处该订单的操作员以及管</a:t>
-            </a:r>
-            <a:endParaRPr lang="zh-CN" altLang="en-US" dirty="0"/>
-          </a:p>
-          <a:p>
-            <a:pPr marL="0" indent="0">
-              <a:buNone/>
-            </a:pPr>
-            <a:r>
-              <a:rPr lang="zh-CN" altLang="en-US" dirty="0"/>
-              <a:t>理员，其他人无权删除。</a:t>
-            </a:r>
-            <a:endParaRPr lang="en-US" altLang="zh-CN" dirty="0"/>
-          </a:p>
-          <a:p>
-            <a:pPr marL="0" indent="0">
-              <a:buNone/>
-            </a:pPr>
-            <a:endParaRPr lang="zh-CN" altLang="en-US" dirty="0"/>
-          </a:p>
-        </p:txBody>
-      </p:sp>
-      <p:pic>
-        <p:nvPicPr>
-          <p:cNvPr id="4" name="图片 3" descr="sale"/>
-          <p:cNvPicPr>
-            <a:picLocks noChangeAspect="1"/>
-          </p:cNvPicPr>
-          <p:nvPr/>
-        </p:nvPicPr>
-        <p:blipFill>
-          <a:blip r:embed="rId1"/>
-          <a:stretch>
-            <a:fillRect/>
-          </a:stretch>
-        </p:blipFill>
-        <p:spPr>
-          <a:xfrm>
-            <a:off x="7143115" y="2505710"/>
-            <a:ext cx="4832985" cy="1153160"/>
-          </a:xfrm>
-          <a:prstGeom prst="rect">
-            <a:avLst/>
-          </a:prstGeom>
-        </p:spPr>
-      </p:pic>
-      <p:pic>
-        <p:nvPicPr>
-          <p:cNvPr id="5" name="图片 4" descr="save"/>
-          <p:cNvPicPr>
-            <a:picLocks noChangeAspect="1"/>
-          </p:cNvPicPr>
-          <p:nvPr/>
-        </p:nvPicPr>
-        <p:blipFill>
-          <a:blip r:embed="rId2"/>
-          <a:stretch>
-            <a:fillRect/>
-          </a:stretch>
-        </p:blipFill>
-        <p:spPr>
-          <a:xfrm>
-            <a:off x="7143115" y="3724275"/>
-            <a:ext cx="4832985" cy="2037715"/>
-          </a:xfrm>
-          <a:prstGeom prst="rect">
-            <a:avLst/>
-          </a:prstGeom>
-        </p:spPr>
-      </p:pic>
-    </p:spTree>
-  </p:cSld>
-  <p:clrMapOvr>
-    <a:masterClrMapping/>
-  </p:clrMapOvr>
-</p:sld>
-</file>
-
-<file path=ppt/slides/slide7.xml><?xml version="1.0" encoding="utf-8"?>
-<p:sld xmlns:a="http://schemas.openxmlformats.org/drawingml/2006/main" xmlns:r="http://schemas.openxmlformats.org/officeDocument/2006/relationships" xmlns:p="http://schemas.openxmlformats.org/presentationml/2006/main">
-  <p:cSld>
-    <p:spTree>
-      <p:nvGrpSpPr>
-        <p:cNvPr id="1" name=""/>
-        <p:cNvGrpSpPr/>
-        <p:nvPr/>
-      </p:nvGrpSpPr>
-      <p:grpSpPr>
-        <a:xfrm>
-          <a:off x="0" y="0"/>
-          <a:ext cx="0" cy="0"/>
-          <a:chOff x="0" y="0"/>
-          <a:chExt cx="0" cy="0"/>
-        </a:xfrm>
-      </p:grpSpPr>
-      <p:sp>
-        <p:nvSpPr>
-          <p:cNvPr id="2" name="标题 1"/>
-          <p:cNvSpPr>
-            <a:spLocks noGrp="1"/>
-          </p:cNvSpPr>
-          <p:nvPr>
-            <p:ph type="title"/>
-          </p:nvPr>
-        </p:nvSpPr>
-        <p:spPr/>
-        <p:txBody>
-          <a:bodyPr/>
-          <a:lstStyle/>
-          <a:p>
-            <a:r>
-              <a:rPr lang="zh-CN" altLang="en-US" dirty="0"/>
-              <a:t>功能介绍</a:t>
-            </a:r>
-            <a:endParaRPr lang="zh-CN" altLang="en-US" dirty="0"/>
-          </a:p>
-        </p:txBody>
-      </p:sp>
-      <p:sp>
-        <p:nvSpPr>
-          <p:cNvPr id="3" name="内容占位符 2"/>
-          <p:cNvSpPr>
-            <a:spLocks noGrp="1"/>
-          </p:cNvSpPr>
-          <p:nvPr>
-            <p:ph idx="1"/>
-          </p:nvPr>
-        </p:nvSpPr>
-        <p:spPr/>
-        <p:txBody>
-          <a:bodyPr/>
-          <a:lstStyle/>
-          <a:p>
-            <a:r>
-              <a:rPr lang="zh-CN" altLang="en-US" dirty="0"/>
-              <a:t>  统计分析</a:t>
-            </a:r>
-            <a:endParaRPr lang="zh-CN" altLang="en-US" dirty="0"/>
-          </a:p>
-          <a:p>
-            <a:pPr marL="0" indent="0">
-              <a:buNone/>
-            </a:pPr>
-            <a:endParaRPr lang="en-US" altLang="zh-CN" dirty="0"/>
-          </a:p>
-          <a:p>
-            <a:pPr marL="0" indent="0">
-              <a:buNone/>
-            </a:pPr>
-            <a:r>
-              <a:rPr lang="zh-CN" altLang="en-US" dirty="0"/>
-              <a:t>       该模块用于统计分析每周每月的销售情况。</a:t>
-            </a:r>
-            <a:endParaRPr lang="zh-CN" altLang="en-US" dirty="0"/>
-          </a:p>
-          <a:p>
-            <a:pPr marL="0" indent="0">
-              <a:buNone/>
-            </a:pPr>
-            <a:r>
-              <a:rPr lang="zh-CN" altLang="en-US" dirty="0"/>
-              <a:t>通过订单情况和客户的反馈以视图的形式最直</a:t>
-            </a:r>
-            <a:endParaRPr lang="zh-CN" altLang="en-US" dirty="0"/>
-          </a:p>
-          <a:p>
-            <a:pPr marL="0" indent="0">
-              <a:buNone/>
-            </a:pPr>
-            <a:r>
-              <a:rPr lang="zh-CN" altLang="en-US" dirty="0"/>
-              <a:t>观的展现在店家的面前，系统中的视图会根据</a:t>
-            </a:r>
-            <a:endParaRPr lang="zh-CN" altLang="en-US" dirty="0"/>
-          </a:p>
-          <a:p>
-            <a:pPr marL="0" indent="0">
-              <a:buNone/>
-            </a:pPr>
-            <a:r>
-              <a:rPr lang="zh-CN" altLang="en-US" dirty="0"/>
-              <a:t>系统的设置定期更新数据，让店家以最快的时</a:t>
-            </a:r>
-            <a:endParaRPr lang="zh-CN" altLang="en-US" dirty="0"/>
-          </a:p>
-          <a:p>
-            <a:pPr marL="0" indent="0">
-              <a:buNone/>
-            </a:pPr>
-            <a:r>
-              <a:rPr lang="zh-CN" altLang="en-US" dirty="0"/>
-              <a:t>间获取最新的销售数据。</a:t>
-            </a:r>
-            <a:endParaRPr lang="zh-CN" altLang="en-US" dirty="0"/>
-          </a:p>
-        </p:txBody>
-      </p:sp>
-      <p:pic>
-        <p:nvPicPr>
-          <p:cNvPr id="4" name="图片 3" descr="分析"/>
-          <p:cNvPicPr>
-            <a:picLocks noChangeAspect="1"/>
-          </p:cNvPicPr>
-          <p:nvPr/>
-        </p:nvPicPr>
-        <p:blipFill>
-          <a:blip r:embed="rId1"/>
-          <a:stretch>
-            <a:fillRect/>
-          </a:stretch>
-        </p:blipFill>
-        <p:spPr>
-          <a:xfrm>
-            <a:off x="7537450" y="2858135"/>
-            <a:ext cx="4554855" cy="2537460"/>
-          </a:xfrm>
-          <a:prstGeom prst="rect">
-            <a:avLst/>
-          </a:prstGeom>
-        </p:spPr>
-      </p:pic>
-    </p:spTree>
-  </p:cSld>
-  <p:clrMapOvr>
-    <a:masterClrMapping/>
-  </p:clrMapOvr>
-</p:sld>
-</file>
-
-<file path=ppt/slides/slide8.xml><?xml version="1.0" encoding="utf-8"?>
-<p:sld xmlns:a="http://schemas.openxmlformats.org/drawingml/2006/main" xmlns:r="http://schemas.openxmlformats.org/officeDocument/2006/relationships" xmlns:p="http://schemas.openxmlformats.org/presentationml/2006/main">
-  <p:cSld>
-    <p:spTree>
-      <p:nvGrpSpPr>
-        <p:cNvPr id="1" name=""/>
-        <p:cNvGrpSpPr/>
-        <p:nvPr/>
-      </p:nvGrpSpPr>
-      <p:grpSpPr>
-        <a:xfrm>
-          <a:off x="0" y="0"/>
-          <a:ext cx="0" cy="0"/>
-          <a:chOff x="0" y="0"/>
-          <a:chExt cx="0" cy="0"/>
-        </a:xfrm>
-      </p:grpSpPr>
-      <p:sp>
-        <p:nvSpPr>
-          <p:cNvPr id="2" name="标题 1"/>
-          <p:cNvSpPr>
-            <a:spLocks noGrp="1"/>
-          </p:cNvSpPr>
-          <p:nvPr>
-            <p:ph type="title"/>
-          </p:nvPr>
-        </p:nvSpPr>
-        <p:spPr/>
-        <p:txBody>
-          <a:bodyPr/>
-          <a:lstStyle/>
-          <a:p>
-            <a:r>
-              <a:rPr lang="zh-CN" altLang="en-US" dirty="0"/>
-              <a:t>功能介绍</a:t>
-            </a:r>
-            <a:endParaRPr lang="zh-CN" altLang="en-US" dirty="0"/>
-          </a:p>
-        </p:txBody>
-      </p:sp>
-      <p:sp>
-        <p:nvSpPr>
-          <p:cNvPr id="3" name="内容占位符 2"/>
-          <p:cNvSpPr>
-            <a:spLocks noGrp="1"/>
-          </p:cNvSpPr>
-          <p:nvPr>
-            <p:ph idx="1"/>
-          </p:nvPr>
-        </p:nvSpPr>
-        <p:spPr/>
-        <p:txBody>
-          <a:bodyPr/>
-          <a:lstStyle/>
-          <a:p>
-            <a:r>
-              <a:rPr lang="zh-CN" altLang="en-US" dirty="0"/>
-              <a:t> 部门管理</a:t>
-            </a:r>
-            <a:endParaRPr lang="en-US" altLang="zh-CN" dirty="0"/>
-          </a:p>
-          <a:p>
-            <a:endParaRPr lang="zh-CN" altLang="en-US" dirty="0"/>
-          </a:p>
-          <a:p>
-            <a:pPr marL="0" indent="0">
-              <a:buNone/>
-            </a:pPr>
-            <a:r>
-              <a:rPr lang="zh-CN" altLang="en-US" dirty="0"/>
-              <a:t>      该模块用于部门管理。由于中小型手机 </a:t>
-            </a:r>
-            <a:endParaRPr lang="zh-CN" altLang="en-US" dirty="0"/>
-          </a:p>
-          <a:p>
-            <a:pPr marL="0" indent="0">
-              <a:buNone/>
-            </a:pPr>
-            <a:r>
-              <a:rPr lang="zh-CN" altLang="en-US" dirty="0"/>
-              <a:t>店家基本都是自体户，所以系统只提供两个</a:t>
-            </a:r>
-            <a:endParaRPr lang="zh-CN" altLang="en-US" dirty="0"/>
-          </a:p>
-          <a:p>
-            <a:pPr marL="0" indent="0">
-              <a:buNone/>
-            </a:pPr>
-            <a:r>
-              <a:rPr lang="zh-CN" altLang="en-US" dirty="0"/>
-              <a:t>本门的管理</a:t>
-            </a:r>
-            <a:r>
-              <a:rPr lang="en-US" altLang="zh-CN" dirty="0"/>
-              <a:t>-</a:t>
-            </a:r>
-            <a:r>
-              <a:rPr lang="zh-CN" altLang="en-US" dirty="0"/>
-              <a:t>销售本门和售后部门。该模块可</a:t>
-            </a:r>
-            <a:endParaRPr lang="zh-CN" altLang="en-US" dirty="0"/>
-          </a:p>
-          <a:p>
-            <a:pPr marL="0" indent="0">
-              <a:buNone/>
-            </a:pPr>
-            <a:r>
-              <a:rPr lang="zh-CN" altLang="en-US" dirty="0"/>
-              <a:t>以对部门进行添加，删除和修改，以及查看</a:t>
-            </a:r>
-            <a:endParaRPr lang="zh-CN" altLang="en-US" dirty="0"/>
-          </a:p>
-          <a:p>
-            <a:pPr marL="0" indent="0">
-              <a:buNone/>
-            </a:pPr>
-            <a:r>
-              <a:rPr lang="zh-CN" altLang="en-US" dirty="0"/>
-              <a:t>该部门下的所有员工。</a:t>
-            </a:r>
-            <a:endParaRPr lang="zh-CN" altLang="en-US" dirty="0"/>
-          </a:p>
-        </p:txBody>
-      </p:sp>
-      <p:pic>
-        <p:nvPicPr>
-          <p:cNvPr id="4" name="图片 3" descr="部门"/>
-          <p:cNvPicPr>
-            <a:picLocks noChangeAspect="1"/>
-          </p:cNvPicPr>
-          <p:nvPr/>
-        </p:nvPicPr>
-        <p:blipFill>
-          <a:blip r:embed="rId1"/>
-          <a:stretch>
-            <a:fillRect/>
-          </a:stretch>
-        </p:blipFill>
-        <p:spPr>
-          <a:xfrm>
-            <a:off x="7459345" y="2971165"/>
-            <a:ext cx="4509770" cy="2102485"/>
-          </a:xfrm>
-          <a:prstGeom prst="rect">
-            <a:avLst/>
-          </a:prstGeom>
-        </p:spPr>
-      </p:pic>
-    </p:spTree>
-  </p:cSld>
-  <p:clrMapOvr>
-    <a:masterClrMapping/>
-  </p:clrMapOvr>
-</p:sld>
-</file>
-
 <file path=ppt/slides/slide9.xml><?xml version="1.0" encoding="utf-8"?>
 <p:sld xmlns:a="http://schemas.openxmlformats.org/drawingml/2006/main" xmlns:r="http://schemas.openxmlformats.org/officeDocument/2006/relationships" xmlns:p="http://schemas.openxmlformats.org/presentationml/2006/main">
   <p:cSld>
@@ -10266,14 +10439,12 @@
         </p:nvSpPr>
         <p:spPr/>
         <p:txBody>
-          <a:bodyPr>
-            <a:normAutofit fontScale="90000" lnSpcReduction="20000"/>
-          </a:bodyPr>
+          <a:bodyPr/>
           <a:lstStyle/>
           <a:p>
             <a:r>
               <a:rPr lang="zh-CN" altLang="en-US" dirty="0"/>
-              <a:t>  财务管理</a:t>
+              <a:t>   角色管理</a:t>
             </a:r>
             <a:endParaRPr lang="en-US" altLang="zh-CN" dirty="0"/>
           </a:p>
@@ -10288,12 +10459,8 @@
               <a:buNone/>
             </a:pPr>
             <a:r>
-              <a:rPr lang="en-US" altLang="zh-CN" dirty="0"/>
-              <a:t>        </a:t>
-            </a:r>
-            <a:r>
-              <a:rPr lang="zh-CN" altLang="en-US" dirty="0"/>
-              <a:t>工资管理。员工所得工资包括基本工资，销售 </a:t>
+              <a:rPr lang="zh-CN" altLang="en-US" dirty="0"/>
+              <a:t>        该模块对系统角色的管理。该系统的角色 </a:t>
             </a:r>
             <a:endParaRPr lang="zh-CN" altLang="en-US" dirty="0"/>
           </a:p>
@@ -10303,7 +10470,7 @@
             </a:pPr>
             <a:r>
               <a:rPr lang="zh-CN" altLang="en-US" dirty="0"/>
-              <a:t>提成，个人所得税三部分。销售提成与个人所得税</a:t>
+              <a:t>包括管理员，店长，销售员，销售经理，售后</a:t>
             </a:r>
             <a:endParaRPr lang="zh-CN" altLang="en-US" dirty="0"/>
           </a:p>
@@ -10313,13 +10480,9 @@
             </a:pPr>
             <a:r>
               <a:rPr lang="zh-CN" altLang="en-US" dirty="0"/>
-              <a:t>率系统中都有相应的地方进行维护。</a:t>
-            </a:r>
-            <a:r>
-              <a:rPr lang="en-US" altLang="zh-CN" dirty="0"/>
-              <a:t> </a:t>
-            </a:r>
-            <a:endParaRPr lang="en-US" altLang="zh-CN" dirty="0"/>
+              <a:t>经理和售后员六种角色，添加角色必须选择相</a:t>
+            </a:r>
+            <a:endParaRPr lang="zh-CN" altLang="en-US" dirty="0"/>
           </a:p>
           <a:p>
             <a:pPr marL="0" indent="0">
@@ -10327,7 +10490,7 @@
             </a:pPr>
             <a:r>
               <a:rPr lang="zh-CN" altLang="en-US" dirty="0"/>
-              <a:t>        管理每个月的盈利情况。通过维护每个月的杂费，</a:t>
+              <a:t>应部门才可以添加，比如销售员只能添加在销</a:t>
             </a:r>
             <a:endParaRPr lang="zh-CN" altLang="en-US" dirty="0"/>
           </a:p>
@@ -10337,59 +10500,17 @@
             </a:pPr>
             <a:r>
               <a:rPr lang="zh-CN" altLang="en-US" dirty="0"/>
-              <a:t>员工工资以及产品成本来得出每个月的盈利。</a:t>
-            </a:r>
-            <a:endParaRPr lang="en-US" altLang="zh-CN" dirty="0"/>
+              <a:t>售部门中。修改部门只能修改角色名称和角色</a:t>
+            </a:r>
+            <a:endParaRPr lang="zh-CN" altLang="en-US" dirty="0"/>
           </a:p>
           <a:p>
             <a:pPr marL="0" indent="0">
               <a:buNone/>
             </a:pPr>
             <a:r>
-              <a:rPr lang="en-US" altLang="zh-CN" dirty="0"/>
-              <a:t>        </a:t>
-            </a:r>
-            <a:r>
-              <a:rPr lang="zh-CN" altLang="en-US" dirty="0"/>
-              <a:t>工资维护和盈利维护只有在每个月的</a:t>
-            </a:r>
-            <a:r>
-              <a:rPr lang="en-US" altLang="zh-CN" dirty="0"/>
-              <a:t>1</a:t>
-            </a:r>
-            <a:r>
-              <a:rPr lang="zh-CN" altLang="en-US" dirty="0"/>
-              <a:t>号进行维</a:t>
-            </a:r>
-            <a:endParaRPr lang="zh-CN" altLang="en-US" dirty="0"/>
-          </a:p>
-          <a:p>
-            <a:pPr marL="0" indent="0">
-              <a:buNone/>
-            </a:pPr>
-            <a:r>
-              <a:rPr lang="zh-CN" altLang="en-US" dirty="0"/>
-              <a:t>护，</a:t>
-            </a:r>
-            <a:endParaRPr lang="zh-CN" altLang="en-US" dirty="0"/>
-          </a:p>
-          <a:p>
-            <a:pPr marL="0" indent="0">
-              <a:buNone/>
-            </a:pPr>
-            <a:r>
-              <a:rPr lang="zh-CN" altLang="en-US" dirty="0"/>
-              <a:t>而盈利维护必须在杂费维护以及员工工资维护完成之</a:t>
-            </a:r>
-            <a:endParaRPr lang="zh-CN" altLang="en-US" dirty="0"/>
-          </a:p>
-          <a:p>
-            <a:pPr marL="0" indent="0">
-              <a:buNone/>
-            </a:pPr>
-            <a:r>
-              <a:rPr lang="zh-CN" altLang="en-US" dirty="0"/>
-              <a:t>后。</a:t>
+              <a:rPr lang="zh-CN" altLang="en-US" dirty="0"/>
+              <a:t>描述。</a:t>
             </a:r>
             <a:endParaRPr lang="en-US" altLang="zh-CN" dirty="0"/>
           </a:p>
@@ -10397,7 +10518,7 @@
       </p:sp>
       <p:pic>
         <p:nvPicPr>
-          <p:cNvPr id="4" name="图片 3" descr="工资"/>
+          <p:cNvPr id="4" name="图片 3" descr="角色"/>
           <p:cNvPicPr>
             <a:picLocks noChangeAspect="1"/>
           </p:cNvPicPr>
@@ -10411,32 +10532,8 @@
         </p:blipFill>
         <p:spPr>
           <a:xfrm>
-            <a:off x="8081645" y="2947035"/>
-            <a:ext cx="4022090" cy="1329690"/>
-          </a:xfrm>
-          <a:prstGeom prst="rect">
-            <a:avLst/>
-          </a:prstGeom>
-        </p:spPr>
-      </p:pic>
-      <p:pic>
-        <p:nvPicPr>
-          <p:cNvPr id="5" name="图片 4" descr="盈利"/>
-          <p:cNvPicPr>
-            <a:picLocks noChangeAspect="1"/>
-          </p:cNvPicPr>
-          <p:nvPr/>
-        </p:nvPicPr>
-        <p:blipFill>
-          <a:blip r:embed="rId2"/>
-          <a:stretch>
-            <a:fillRect/>
-          </a:stretch>
-        </p:blipFill>
-        <p:spPr>
-          <a:xfrm>
-            <a:off x="8082280" y="4474210"/>
-            <a:ext cx="4021455" cy="1122680"/>
+            <a:off x="7289800" y="2882900"/>
+            <a:ext cx="4845685" cy="2279650"/>
           </a:xfrm>
           <a:prstGeom prst="rect">
             <a:avLst/>

--- a/软外4-刘宁宁201540704138-产品说明.pptx
+++ b/软外4-刘宁宁201540704138-产品说明.pptx
@@ -8147,6 +8147,30 @@
           </a:p>
         </p:txBody>
       </p:sp>
+      <p:pic>
+        <p:nvPicPr>
+          <p:cNvPr id="4" name="图片 3" descr="供应商"/>
+          <p:cNvPicPr>
+            <a:picLocks noChangeAspect="1"/>
+          </p:cNvPicPr>
+          <p:nvPr/>
+        </p:nvPicPr>
+        <p:blipFill>
+          <a:blip r:embed="rId1"/>
+          <a:stretch>
+            <a:fillRect/>
+          </a:stretch>
+        </p:blipFill>
+        <p:spPr>
+          <a:xfrm>
+            <a:off x="2955925" y="3760470"/>
+            <a:ext cx="7140575" cy="2032000"/>
+          </a:xfrm>
+          <a:prstGeom prst="rect">
+            <a:avLst/>
+          </a:prstGeom>
+        </p:spPr>
+      </p:pic>
     </p:spTree>
   </p:cSld>
   <p:clrMapOvr>
@@ -10082,7 +10106,7 @@
             </a:pPr>
             <a:r>
               <a:rPr lang="zh-CN" altLang="en-US" dirty="0"/>
-              <a:t>      该模块用于部门管理。由于中小型手机 </a:t>
+              <a:t>      该模块用于部门管理。该模块用于管理本</a:t>
             </a:r>
             <a:endParaRPr lang="zh-CN" altLang="en-US" dirty="0"/>
           </a:p>
@@ -10092,7 +10116,7 @@
             </a:pPr>
             <a:r>
               <a:rPr lang="zh-CN" altLang="en-US" dirty="0"/>
-              <a:t>店家基本都是自体户，所以系统只提供两个</a:t>
+              <a:t>公司内的部门维护系统根据公司的需求设置</a:t>
             </a:r>
             <a:endParaRPr lang="zh-CN" altLang="en-US" dirty="0"/>
           </a:p>
@@ -10102,15 +10126,7 @@
             </a:pPr>
             <a:r>
               <a:rPr lang="zh-CN" altLang="en-US" dirty="0"/>
-              <a:t>本门的管理</a:t>
-            </a:r>
-            <a:r>
-              <a:rPr lang="en-US" altLang="zh-CN" dirty="0"/>
-              <a:t>-</a:t>
-            </a:r>
-            <a:r>
-              <a:rPr lang="zh-CN" altLang="en-US" dirty="0"/>
-              <a:t>销售本门和售后部门。该模块可</a:t>
+              <a:t>销售部门和售后部门。该模块可以对部门进</a:t>
             </a:r>
             <a:endParaRPr lang="zh-CN" altLang="en-US" dirty="0"/>
           </a:p>
@@ -10120,7 +10136,7 @@
             </a:pPr>
             <a:r>
               <a:rPr lang="zh-CN" altLang="en-US" dirty="0"/>
-              <a:t>以对部门进行添加，删除和修改，以及查看</a:t>
+              <a:t>行添加，删除和修改，以及查看该部门下的</a:t>
             </a:r>
             <a:endParaRPr lang="zh-CN" altLang="en-US" dirty="0"/>
           </a:p>
@@ -10130,7 +10146,7 @@
             </a:pPr>
             <a:r>
               <a:rPr lang="zh-CN" altLang="en-US" dirty="0"/>
-              <a:t>该部门下的所有员工。</a:t>
+              <a:t>所有员工。</a:t>
             </a:r>
             <a:endParaRPr lang="zh-CN" altLang="en-US" dirty="0"/>
           </a:p>
@@ -10470,7 +10486,7 @@
             </a:pPr>
             <a:r>
               <a:rPr lang="zh-CN" altLang="en-US" dirty="0"/>
-              <a:t>包括管理员，店长，销售员，销售经理，售后</a:t>
+              <a:t>包括管理员，销售员，销售经理，售后经理和</a:t>
             </a:r>
             <a:endParaRPr lang="zh-CN" altLang="en-US" dirty="0"/>
           </a:p>
@@ -10480,7 +10496,7 @@
             </a:pPr>
             <a:r>
               <a:rPr lang="zh-CN" altLang="en-US" dirty="0"/>
-              <a:t>经理和售后员六种角色，添加角色必须选择相</a:t>
+              <a:t>售后员五种角色，添加角色必须选择相应部门</a:t>
             </a:r>
             <a:endParaRPr lang="zh-CN" altLang="en-US" dirty="0"/>
           </a:p>
@@ -10490,7 +10506,7 @@
             </a:pPr>
             <a:r>
               <a:rPr lang="zh-CN" altLang="en-US" dirty="0"/>
-              <a:t>应部门才可以添加，比如销售员只能添加在销</a:t>
+              <a:t>才可以添加，比如销售员只能添加在销售部门</a:t>
             </a:r>
             <a:endParaRPr lang="zh-CN" altLang="en-US" dirty="0"/>
           </a:p>
@@ -10500,17 +10516,7 @@
             </a:pPr>
             <a:r>
               <a:rPr lang="zh-CN" altLang="en-US" dirty="0"/>
-              <a:t>售部门中。修改部门只能修改角色名称和角色</a:t>
-            </a:r>
-            <a:endParaRPr lang="zh-CN" altLang="en-US" dirty="0"/>
-          </a:p>
-          <a:p>
-            <a:pPr marL="0" indent="0">
-              <a:buNone/>
-            </a:pPr>
-            <a:r>
-              <a:rPr lang="zh-CN" altLang="en-US" dirty="0"/>
-              <a:t>描述。</a:t>
+              <a:t>中。修改部门只能修改角色名称和角色描述。</a:t>
             </a:r>
             <a:endParaRPr lang="en-US" altLang="zh-CN" dirty="0"/>
           </a:p>
